--- a/Abbildungen/wtfi_4_wahrscheinlichkeitstheorie_modell_beispiel.pptx
+++ b/Abbildungen/wtfi_4_wahrscheinlichkeitstheorie_modell_beispiel.pptx
@@ -448,7 +448,7 @@
           <a:p>
             <a:fld id="{2B41A6A7-50F4-463B-910E-CFAB06BEAEBD}" type="datetimeFigureOut">
               <a:rPr lang="de-DE" smtClean="0"/>
-              <a:t>03.11.2021</a:t>
+              <a:t>30.10.2022</a:t>
             </a:fld>
             <a:endParaRPr lang="de-DE"/>
           </a:p>
@@ -490,7 +490,7 @@
           <a:p>
             <a:fld id="{21F71EA9-8F64-41D2-B146-948977218CCE}" type="slidenum">
               <a:rPr lang="de-DE" smtClean="0"/>
-              <a:t>‹#›</a:t>
+              <a:t>‹Nr.›</a:t>
             </a:fld>
             <a:endParaRPr lang="de-DE"/>
           </a:p>
@@ -618,7 +618,7 @@
           <a:p>
             <a:fld id="{2B41A6A7-50F4-463B-910E-CFAB06BEAEBD}" type="datetimeFigureOut">
               <a:rPr lang="de-DE" smtClean="0"/>
-              <a:t>03.11.2021</a:t>
+              <a:t>30.10.2022</a:t>
             </a:fld>
             <a:endParaRPr lang="de-DE"/>
           </a:p>
@@ -660,7 +660,7 @@
           <a:p>
             <a:fld id="{21F71EA9-8F64-41D2-B146-948977218CCE}" type="slidenum">
               <a:rPr lang="de-DE" smtClean="0"/>
-              <a:t>‹#›</a:t>
+              <a:t>‹Nr.›</a:t>
             </a:fld>
             <a:endParaRPr lang="de-DE"/>
           </a:p>
@@ -798,7 +798,7 @@
           <a:p>
             <a:fld id="{2B41A6A7-50F4-463B-910E-CFAB06BEAEBD}" type="datetimeFigureOut">
               <a:rPr lang="de-DE" smtClean="0"/>
-              <a:t>03.11.2021</a:t>
+              <a:t>30.10.2022</a:t>
             </a:fld>
             <a:endParaRPr lang="de-DE"/>
           </a:p>
@@ -840,7 +840,7 @@
           <a:p>
             <a:fld id="{21F71EA9-8F64-41D2-B146-948977218CCE}" type="slidenum">
               <a:rPr lang="de-DE" smtClean="0"/>
-              <a:t>‹#›</a:t>
+              <a:t>‹Nr.›</a:t>
             </a:fld>
             <a:endParaRPr lang="de-DE"/>
           </a:p>
@@ -968,7 +968,7 @@
           <a:p>
             <a:fld id="{2B41A6A7-50F4-463B-910E-CFAB06BEAEBD}" type="datetimeFigureOut">
               <a:rPr lang="de-DE" smtClean="0"/>
-              <a:t>03.11.2021</a:t>
+              <a:t>30.10.2022</a:t>
             </a:fld>
             <a:endParaRPr lang="de-DE"/>
           </a:p>
@@ -1010,7 +1010,7 @@
           <a:p>
             <a:fld id="{21F71EA9-8F64-41D2-B146-948977218CCE}" type="slidenum">
               <a:rPr lang="de-DE" smtClean="0"/>
-              <a:t>‹#›</a:t>
+              <a:t>‹Nr.›</a:t>
             </a:fld>
             <a:endParaRPr lang="de-DE"/>
           </a:p>
@@ -1212,7 +1212,7 @@
           <a:p>
             <a:fld id="{2B41A6A7-50F4-463B-910E-CFAB06BEAEBD}" type="datetimeFigureOut">
               <a:rPr lang="de-DE" smtClean="0"/>
-              <a:t>03.11.2021</a:t>
+              <a:t>30.10.2022</a:t>
             </a:fld>
             <a:endParaRPr lang="de-DE"/>
           </a:p>
@@ -1254,7 +1254,7 @@
           <a:p>
             <a:fld id="{21F71EA9-8F64-41D2-B146-948977218CCE}" type="slidenum">
               <a:rPr lang="de-DE" smtClean="0"/>
-              <a:t>‹#›</a:t>
+              <a:t>‹Nr.›</a:t>
             </a:fld>
             <a:endParaRPr lang="de-DE"/>
           </a:p>
@@ -1444,7 +1444,7 @@
           <a:p>
             <a:fld id="{2B41A6A7-50F4-463B-910E-CFAB06BEAEBD}" type="datetimeFigureOut">
               <a:rPr lang="de-DE" smtClean="0"/>
-              <a:t>03.11.2021</a:t>
+              <a:t>30.10.2022</a:t>
             </a:fld>
             <a:endParaRPr lang="de-DE"/>
           </a:p>
@@ -1486,7 +1486,7 @@
           <a:p>
             <a:fld id="{21F71EA9-8F64-41D2-B146-948977218CCE}" type="slidenum">
               <a:rPr lang="de-DE" smtClean="0"/>
-              <a:t>‹#›</a:t>
+              <a:t>‹Nr.›</a:t>
             </a:fld>
             <a:endParaRPr lang="de-DE"/>
           </a:p>
@@ -1811,7 +1811,7 @@
           <a:p>
             <a:fld id="{2B41A6A7-50F4-463B-910E-CFAB06BEAEBD}" type="datetimeFigureOut">
               <a:rPr lang="de-DE" smtClean="0"/>
-              <a:t>03.11.2021</a:t>
+              <a:t>30.10.2022</a:t>
             </a:fld>
             <a:endParaRPr lang="de-DE"/>
           </a:p>
@@ -1853,7 +1853,7 @@
           <a:p>
             <a:fld id="{21F71EA9-8F64-41D2-B146-948977218CCE}" type="slidenum">
               <a:rPr lang="de-DE" smtClean="0"/>
-              <a:t>‹#›</a:t>
+              <a:t>‹Nr.›</a:t>
             </a:fld>
             <a:endParaRPr lang="de-DE"/>
           </a:p>
@@ -1929,7 +1929,7 @@
           <a:p>
             <a:fld id="{2B41A6A7-50F4-463B-910E-CFAB06BEAEBD}" type="datetimeFigureOut">
               <a:rPr lang="de-DE" smtClean="0"/>
-              <a:t>03.11.2021</a:t>
+              <a:t>30.10.2022</a:t>
             </a:fld>
             <a:endParaRPr lang="de-DE"/>
           </a:p>
@@ -1971,7 +1971,7 @@
           <a:p>
             <a:fld id="{21F71EA9-8F64-41D2-B146-948977218CCE}" type="slidenum">
               <a:rPr lang="de-DE" smtClean="0"/>
-              <a:t>‹#›</a:t>
+              <a:t>‹Nr.›</a:t>
             </a:fld>
             <a:endParaRPr lang="de-DE"/>
           </a:p>
@@ -2024,7 +2024,7 @@
           <a:p>
             <a:fld id="{2B41A6A7-50F4-463B-910E-CFAB06BEAEBD}" type="datetimeFigureOut">
               <a:rPr lang="de-DE" smtClean="0"/>
-              <a:t>03.11.2021</a:t>
+              <a:t>30.10.2022</a:t>
             </a:fld>
             <a:endParaRPr lang="de-DE"/>
           </a:p>
@@ -2066,7 +2066,7 @@
           <a:p>
             <a:fld id="{21F71EA9-8F64-41D2-B146-948977218CCE}" type="slidenum">
               <a:rPr lang="de-DE" smtClean="0"/>
-              <a:t>‹#›</a:t>
+              <a:t>‹Nr.›</a:t>
             </a:fld>
             <a:endParaRPr lang="de-DE"/>
           </a:p>
@@ -2301,7 +2301,7 @@
           <a:p>
             <a:fld id="{2B41A6A7-50F4-463B-910E-CFAB06BEAEBD}" type="datetimeFigureOut">
               <a:rPr lang="de-DE" smtClean="0"/>
-              <a:t>03.11.2021</a:t>
+              <a:t>30.10.2022</a:t>
             </a:fld>
             <a:endParaRPr lang="de-DE"/>
           </a:p>
@@ -2343,7 +2343,7 @@
           <a:p>
             <a:fld id="{21F71EA9-8F64-41D2-B146-948977218CCE}" type="slidenum">
               <a:rPr lang="de-DE" smtClean="0"/>
-              <a:t>‹#›</a:t>
+              <a:t>‹Nr.›</a:t>
             </a:fld>
             <a:endParaRPr lang="de-DE"/>
           </a:p>
@@ -2558,7 +2558,7 @@
           <a:p>
             <a:fld id="{2B41A6A7-50F4-463B-910E-CFAB06BEAEBD}" type="datetimeFigureOut">
               <a:rPr lang="de-DE" smtClean="0"/>
-              <a:t>03.11.2021</a:t>
+              <a:t>30.10.2022</a:t>
             </a:fld>
             <a:endParaRPr lang="de-DE"/>
           </a:p>
@@ -2600,7 +2600,7 @@
           <a:p>
             <a:fld id="{21F71EA9-8F64-41D2-B146-948977218CCE}" type="slidenum">
               <a:rPr lang="de-DE" smtClean="0"/>
-              <a:t>‹#›</a:t>
+              <a:t>‹Nr.›</a:t>
             </a:fld>
             <a:endParaRPr lang="de-DE"/>
           </a:p>
@@ -2771,7 +2771,7 @@
           <a:p>
             <a:fld id="{2B41A6A7-50F4-463B-910E-CFAB06BEAEBD}" type="datetimeFigureOut">
               <a:rPr lang="de-DE" smtClean="0"/>
-              <a:t>03.11.2021</a:t>
+              <a:t>30.10.2022</a:t>
             </a:fld>
             <a:endParaRPr lang="de-DE"/>
           </a:p>
@@ -2849,7 +2849,7 @@
           <a:p>
             <a:fld id="{21F71EA9-8F64-41D2-B146-948977218CCE}" type="slidenum">
               <a:rPr lang="de-DE" smtClean="0"/>
-              <a:t>‹#›</a:t>
+              <a:t>‹Nr.›</a:t>
             </a:fld>
             <a:endParaRPr lang="de-DE"/>
           </a:p>
@@ -3717,8 +3717,8 @@
           </a:p>
         </p:txBody>
       </p:sp>
-      <mc:AlternateContent xmlns:mc="http://schemas.openxmlformats.org/markup-compatibility/2006">
-        <mc:Choice xmlns:a14="http://schemas.microsoft.com/office/drawing/2010/main" Requires="a14">
+      <mc:AlternateContent xmlns:mc="http://schemas.openxmlformats.org/markup-compatibility/2006" xmlns:a14="http://schemas.microsoft.com/office/drawing/2010/main">
+        <mc:Choice Requires="a14">
           <p:sp>
             <p:nvSpPr>
               <p:cNvPr id="24" name="TextBox 23">
@@ -3945,7 +3945,7 @@
             </p:txBody>
           </p:sp>
         </mc:Choice>
-        <mc:Fallback>
+        <mc:Fallback xmlns="">
           <p:sp>
             <p:nvSpPr>
               <p:cNvPr id="24" name="TextBox 23">
@@ -3990,8 +3990,8 @@
           </p:sp>
         </mc:Fallback>
       </mc:AlternateContent>
-      <mc:AlternateContent xmlns:mc="http://schemas.openxmlformats.org/markup-compatibility/2006">
-        <mc:Choice xmlns:a14="http://schemas.microsoft.com/office/drawing/2010/main" Requires="a14">
+      <mc:AlternateContent xmlns:mc="http://schemas.openxmlformats.org/markup-compatibility/2006" xmlns:a14="http://schemas.microsoft.com/office/drawing/2010/main">
+        <mc:Choice Requires="a14">
           <p:sp>
             <p:nvSpPr>
               <p:cNvPr id="35" name="TextBox 34">
@@ -4096,7 +4096,7 @@
             </p:txBody>
           </p:sp>
         </mc:Choice>
-        <mc:Fallback>
+        <mc:Fallback xmlns="">
           <p:sp>
             <p:nvSpPr>
               <p:cNvPr id="35" name="TextBox 34">
@@ -4141,8 +4141,8 @@
           </p:sp>
         </mc:Fallback>
       </mc:AlternateContent>
-      <mc:AlternateContent xmlns:mc="http://schemas.openxmlformats.org/markup-compatibility/2006">
-        <mc:Choice xmlns:a14="http://schemas.microsoft.com/office/drawing/2010/main" Requires="a14">
+      <mc:AlternateContent xmlns:mc="http://schemas.openxmlformats.org/markup-compatibility/2006" xmlns:a14="http://schemas.microsoft.com/office/drawing/2010/main">
+        <mc:Choice Requires="a14">
           <p:sp>
             <p:nvSpPr>
               <p:cNvPr id="36" name="TextBox 35">
@@ -4233,16 +4233,7 @@
                           </a:solidFill>
                           <a:latin typeface="Cambria Math" panose="02040503050406030204" pitchFamily="18" charset="0"/>
                         </a:rPr>
-                        <m:t>≔</m:t>
-                      </m:r>
-                      <m:r>
-                        <a:rPr lang="de-DE" b="0" i="1" smtClean="0">
-                          <a:solidFill>
-                            <a:srgbClr val="0070C0"/>
-                          </a:solidFill>
-                          <a:latin typeface="Cambria Math" panose="02040503050406030204" pitchFamily="18" charset="0"/>
-                        </a:rPr>
-                        <m:t>1/36</m:t>
+                        <m:t>≔1/36</m:t>
                       </m:r>
                     </m:oMath>
                   </m:oMathPara>
@@ -4256,7 +4247,7 @@
             </p:txBody>
           </p:sp>
         </mc:Choice>
-        <mc:Fallback>
+        <mc:Fallback xmlns="">
           <p:sp>
             <p:nvSpPr>
               <p:cNvPr id="36" name="TextBox 35">
@@ -4651,7 +4642,7 @@
             <p:spPr>
               <a:xfrm>
                 <a:off x="934293" y="3913928"/>
-                <a:ext cx="2770630" cy="369332"/>
+                <a:ext cx="2700483" cy="369332"/>
               </a:xfrm>
               <a:prstGeom prst="rect">
                 <a:avLst/>
@@ -4678,7 +4669,7 @@
                           </a:solidFill>
                           <a:latin typeface="Cambria Math" panose="02040503050406030204" pitchFamily="18" charset="0"/>
                         </a:rPr>
-                        <m:t>𝑋</m:t>
+                        <m:t>𝜉</m:t>
                       </m:r>
                       <m:r>
                         <a:rPr lang="de-DE" b="0" i="1" smtClean="0">
@@ -4735,7 +4726,7 @@
                           </a:solidFill>
                           <a:latin typeface="Cambria Math" panose="02040503050406030204" pitchFamily="18" charset="0"/>
                         </a:rPr>
-                        <m:t>𝑋</m:t>
+                        <m:t>𝜉</m:t>
                       </m:r>
                       <m:d>
                         <m:dPr>
@@ -4844,7 +4835,7 @@
             <p:spPr>
               <a:xfrm>
                 <a:off x="934293" y="3913928"/>
-                <a:ext cx="2770630" cy="369332"/>
+                <a:ext cx="2700483" cy="369332"/>
               </a:xfrm>
               <a:prstGeom prst="rect">
                 <a:avLst/>
@@ -4852,7 +4843,7 @@
               <a:blipFill>
                 <a:blip r:embed="rId7"/>
                 <a:stretch>
-                  <a:fillRect/>
+                  <a:fillRect b="-13115"/>
                 </a:stretch>
               </a:blipFill>
             </p:spPr>
@@ -4887,8 +4878,8 @@
             </p:nvSpPr>
             <p:spPr>
               <a:xfrm>
-                <a:off x="1041450" y="5842510"/>
-                <a:ext cx="7061100" cy="369332"/>
+                <a:off x="1010801" y="5842510"/>
+                <a:ext cx="7122399" cy="394210"/>
               </a:xfrm>
               <a:prstGeom prst="rect">
                 <a:avLst/>
@@ -4939,7 +4930,7 @@
                             <a:ea typeface="CMU Sans Serif" panose="02000603000000000000" pitchFamily="2" charset="0"/>
                             <a:cs typeface="CMU Sans Serif" panose="02000603000000000000" pitchFamily="2" charset="0"/>
                           </a:rPr>
-                          <m:t>𝑋</m:t>
+                          <m:t>𝜉</m:t>
                         </m:r>
                       </m:sub>
                     </m:sSub>
@@ -4974,8 +4965,8 @@
             </p:nvSpPr>
             <p:spPr>
               <a:xfrm>
-                <a:off x="1041450" y="5842510"/>
-                <a:ext cx="7061100" cy="369332"/>
+                <a:off x="1010801" y="5842510"/>
+                <a:ext cx="7122399" cy="394210"/>
               </a:xfrm>
               <a:prstGeom prst="rect">
                 <a:avLst/>
@@ -4983,7 +4974,7 @@
               <a:blipFill>
                 <a:blip r:embed="rId8"/>
                 <a:stretch>
-                  <a:fillRect l="-345" t="-6557" r="-173" b="-26230"/>
+                  <a:fillRect t="-1538" b="-23077"/>
                 </a:stretch>
               </a:blipFill>
             </p:spPr>
